--- a/Para hacer ilustraciones.pptx
+++ b/Para hacer ilustraciones.pptx
@@ -260,7 +260,7 @@
           <a:p>
             <a:fld id="{4035A556-7B5A-4880-844C-AB159F6919D0}" type="datetimeFigureOut">
               <a:rPr lang="es-ES" smtClean="0"/>
-              <a:t>28/03/2020</a:t>
+              <a:t>04/04/2020</a:t>
             </a:fld>
             <a:endParaRPr lang="es-ES"/>
           </a:p>
@@ -458,7 +458,7 @@
           <a:p>
             <a:fld id="{4035A556-7B5A-4880-844C-AB159F6919D0}" type="datetimeFigureOut">
               <a:rPr lang="es-ES" smtClean="0"/>
-              <a:t>28/03/2020</a:t>
+              <a:t>04/04/2020</a:t>
             </a:fld>
             <a:endParaRPr lang="es-ES"/>
           </a:p>
@@ -666,7 +666,7 @@
           <a:p>
             <a:fld id="{4035A556-7B5A-4880-844C-AB159F6919D0}" type="datetimeFigureOut">
               <a:rPr lang="es-ES" smtClean="0"/>
-              <a:t>28/03/2020</a:t>
+              <a:t>04/04/2020</a:t>
             </a:fld>
             <a:endParaRPr lang="es-ES"/>
           </a:p>
@@ -864,7 +864,7 @@
           <a:p>
             <a:fld id="{4035A556-7B5A-4880-844C-AB159F6919D0}" type="datetimeFigureOut">
               <a:rPr lang="es-ES" smtClean="0"/>
-              <a:t>28/03/2020</a:t>
+              <a:t>04/04/2020</a:t>
             </a:fld>
             <a:endParaRPr lang="es-ES"/>
           </a:p>
@@ -1139,7 +1139,7 @@
           <a:p>
             <a:fld id="{4035A556-7B5A-4880-844C-AB159F6919D0}" type="datetimeFigureOut">
               <a:rPr lang="es-ES" smtClean="0"/>
-              <a:t>28/03/2020</a:t>
+              <a:t>04/04/2020</a:t>
             </a:fld>
             <a:endParaRPr lang="es-ES"/>
           </a:p>
@@ -1404,7 +1404,7 @@
           <a:p>
             <a:fld id="{4035A556-7B5A-4880-844C-AB159F6919D0}" type="datetimeFigureOut">
               <a:rPr lang="es-ES" smtClean="0"/>
-              <a:t>28/03/2020</a:t>
+              <a:t>04/04/2020</a:t>
             </a:fld>
             <a:endParaRPr lang="es-ES"/>
           </a:p>
@@ -1816,7 +1816,7 @@
           <a:p>
             <a:fld id="{4035A556-7B5A-4880-844C-AB159F6919D0}" type="datetimeFigureOut">
               <a:rPr lang="es-ES" smtClean="0"/>
-              <a:t>28/03/2020</a:t>
+              <a:t>04/04/2020</a:t>
             </a:fld>
             <a:endParaRPr lang="es-ES"/>
           </a:p>
@@ -1957,7 +1957,7 @@
           <a:p>
             <a:fld id="{4035A556-7B5A-4880-844C-AB159F6919D0}" type="datetimeFigureOut">
               <a:rPr lang="es-ES" smtClean="0"/>
-              <a:t>28/03/2020</a:t>
+              <a:t>04/04/2020</a:t>
             </a:fld>
             <a:endParaRPr lang="es-ES"/>
           </a:p>
@@ -2070,7 +2070,7 @@
           <a:p>
             <a:fld id="{4035A556-7B5A-4880-844C-AB159F6919D0}" type="datetimeFigureOut">
               <a:rPr lang="es-ES" smtClean="0"/>
-              <a:t>28/03/2020</a:t>
+              <a:t>04/04/2020</a:t>
             </a:fld>
             <a:endParaRPr lang="es-ES"/>
           </a:p>
@@ -2381,7 +2381,7 @@
           <a:p>
             <a:fld id="{4035A556-7B5A-4880-844C-AB159F6919D0}" type="datetimeFigureOut">
               <a:rPr lang="es-ES" smtClean="0"/>
-              <a:t>28/03/2020</a:t>
+              <a:t>04/04/2020</a:t>
             </a:fld>
             <a:endParaRPr lang="es-ES"/>
           </a:p>
@@ -2669,7 +2669,7 @@
           <a:p>
             <a:fld id="{4035A556-7B5A-4880-844C-AB159F6919D0}" type="datetimeFigureOut">
               <a:rPr lang="es-ES" smtClean="0"/>
-              <a:t>28/03/2020</a:t>
+              <a:t>04/04/2020</a:t>
             </a:fld>
             <a:endParaRPr lang="es-ES"/>
           </a:p>
@@ -2910,7 +2910,7 @@
           <a:p>
             <a:fld id="{4035A556-7B5A-4880-844C-AB159F6919D0}" type="datetimeFigureOut">
               <a:rPr lang="es-ES" smtClean="0"/>
-              <a:t>28/03/2020</a:t>
+              <a:t>04/04/2020</a:t>
             </a:fld>
             <a:endParaRPr lang="es-ES"/>
           </a:p>
@@ -3379,10 +3379,10 @@
       </p:sp>
       <p:pic>
         <p:nvPicPr>
-          <p:cNvPr id="5" name="Imagen 4">
-            <a:extLst>
-              <a:ext uri="{FF2B5EF4-FFF2-40B4-BE49-F238E27FC236}">
-                <a16:creationId xmlns:a16="http://schemas.microsoft.com/office/drawing/2014/main" id="{8BDBA691-024B-4ABD-9B50-11A8210DFD1C}"/>
+          <p:cNvPr id="8" name="Imagen 7">
+            <a:extLst>
+              <a:ext uri="{FF2B5EF4-FFF2-40B4-BE49-F238E27FC236}">
+                <a16:creationId xmlns:a16="http://schemas.microsoft.com/office/drawing/2014/main" id="{1FC60D52-5AE1-4F57-8F5A-841681E4FDA8}"/>
               </a:ext>
             </a:extLst>
           </p:cNvPr>
@@ -3405,7 +3405,7 @@
         </p:blipFill>
         <p:spPr>
           <a:xfrm>
-            <a:off x="480458" y="0"/>
+            <a:off x="8548226" y="0"/>
             <a:ext cx="3167539" cy="6858000"/>
           </a:xfrm>
           <a:prstGeom prst="rect">
@@ -3415,10 +3415,10 @@
       </p:pic>
       <p:pic>
         <p:nvPicPr>
-          <p:cNvPr id="7" name="Imagen 6">
-            <a:extLst>
-              <a:ext uri="{FF2B5EF4-FFF2-40B4-BE49-F238E27FC236}">
-                <a16:creationId xmlns:a16="http://schemas.microsoft.com/office/drawing/2014/main" id="{EF4781EE-371D-43AB-AA98-F762E10666BC}"/>
+          <p:cNvPr id="13" name="Imagen 12">
+            <a:extLst>
+              <a:ext uri="{FF2B5EF4-FFF2-40B4-BE49-F238E27FC236}">
+                <a16:creationId xmlns:a16="http://schemas.microsoft.com/office/drawing/2014/main" id="{94824865-A1B7-4031-A4DE-C15B8D02BCE3}"/>
               </a:ext>
             </a:extLst>
           </p:cNvPr>
@@ -3441,7 +3441,7 @@
         </p:blipFill>
         <p:spPr>
           <a:xfrm>
-            <a:off x="4512230" y="0"/>
+            <a:off x="4691539" y="0"/>
             <a:ext cx="3167539" cy="6858000"/>
           </a:xfrm>
           <a:prstGeom prst="rect">
@@ -3451,10 +3451,10 @@
       </p:pic>
       <p:pic>
         <p:nvPicPr>
-          <p:cNvPr id="9" name="Imagen 8">
-            <a:extLst>
-              <a:ext uri="{FF2B5EF4-FFF2-40B4-BE49-F238E27FC236}">
-                <a16:creationId xmlns:a16="http://schemas.microsoft.com/office/drawing/2014/main" id="{1C4A5D73-5CFE-4ED4-9331-C7C6414FEE45}"/>
+          <p:cNvPr id="16" name="Imagen 15">
+            <a:extLst>
+              <a:ext uri="{FF2B5EF4-FFF2-40B4-BE49-F238E27FC236}">
+                <a16:creationId xmlns:a16="http://schemas.microsoft.com/office/drawing/2014/main" id="{D2514FBC-83F1-4C18-B151-E83ADFA7AA42}"/>
               </a:ext>
             </a:extLst>
           </p:cNvPr>
@@ -3477,296 +3477,8 @@
         </p:blipFill>
         <p:spPr>
           <a:xfrm>
-            <a:off x="8544003" y="0"/>
+            <a:off x="834852" y="0"/>
             <a:ext cx="3167539" cy="6858000"/>
-          </a:xfrm>
-          <a:prstGeom prst="rect">
-            <a:avLst/>
-          </a:prstGeom>
-        </p:spPr>
-      </p:pic>
-      <p:pic>
-        <p:nvPicPr>
-          <p:cNvPr id="6" name="Imagen 5">
-            <a:extLst>
-              <a:ext uri="{FF2B5EF4-FFF2-40B4-BE49-F238E27FC236}">
-                <a16:creationId xmlns:a16="http://schemas.microsoft.com/office/drawing/2014/main" id="{305CADA9-F870-4620-ABF8-2A8675625C69}"/>
-              </a:ext>
-            </a:extLst>
-          </p:cNvPr>
-          <p:cNvPicPr>
-            <a:picLocks noChangeAspect="1"/>
-          </p:cNvPicPr>
-          <p:nvPr/>
-        </p:nvPicPr>
-        <p:blipFill>
-          <a:blip r:embed="rId5">
-            <a:extLst>
-              <a:ext uri="{28A0092B-C50C-407E-A947-70E740481C1C}">
-                <a14:useLocalDpi xmlns:a14="http://schemas.microsoft.com/office/drawing/2010/main" val="0"/>
-              </a:ext>
-            </a:extLst>
-          </a:blip>
-          <a:stretch>
-            <a:fillRect/>
-          </a:stretch>
-        </p:blipFill>
-        <p:spPr>
-          <a:xfrm>
-            <a:off x="4514342" y="0"/>
-            <a:ext cx="3163315" cy="6858000"/>
-          </a:xfrm>
-          <a:prstGeom prst="rect">
-            <a:avLst/>
-          </a:prstGeom>
-        </p:spPr>
-      </p:pic>
-      <p:pic>
-        <p:nvPicPr>
-          <p:cNvPr id="10" name="Imagen 9">
-            <a:extLst>
-              <a:ext uri="{FF2B5EF4-FFF2-40B4-BE49-F238E27FC236}">
-                <a16:creationId xmlns:a16="http://schemas.microsoft.com/office/drawing/2014/main" id="{EEDFB0BE-A82E-433B-BF92-38C9EF763DCA}"/>
-              </a:ext>
-            </a:extLst>
-          </p:cNvPr>
-          <p:cNvPicPr>
-            <a:picLocks noChangeAspect="1"/>
-          </p:cNvPicPr>
-          <p:nvPr/>
-        </p:nvPicPr>
-        <p:blipFill>
-          <a:blip r:embed="rId6">
-            <a:extLst>
-              <a:ext uri="{28A0092B-C50C-407E-A947-70E740481C1C}">
-                <a14:useLocalDpi xmlns:a14="http://schemas.microsoft.com/office/drawing/2010/main" val="0"/>
-              </a:ext>
-            </a:extLst>
-          </a:blip>
-          <a:stretch>
-            <a:fillRect/>
-          </a:stretch>
-        </p:blipFill>
-        <p:spPr>
-          <a:xfrm>
-            <a:off x="4512096" y="0"/>
-            <a:ext cx="3167807" cy="6858000"/>
-          </a:xfrm>
-          <a:prstGeom prst="rect">
-            <a:avLst/>
-          </a:prstGeom>
-        </p:spPr>
-      </p:pic>
-      <p:pic>
-        <p:nvPicPr>
-          <p:cNvPr id="12" name="Imagen 11">
-            <a:extLst>
-              <a:ext uri="{FF2B5EF4-FFF2-40B4-BE49-F238E27FC236}">
-                <a16:creationId xmlns:a16="http://schemas.microsoft.com/office/drawing/2014/main" id="{72ED8DAC-DF04-4BE5-8B3D-3BF639BD9493}"/>
-              </a:ext>
-            </a:extLst>
-          </p:cNvPr>
-          <p:cNvPicPr>
-            <a:picLocks noChangeAspect="1"/>
-          </p:cNvPicPr>
-          <p:nvPr/>
-        </p:nvPicPr>
-        <p:blipFill>
-          <a:blip r:embed="rId7">
-            <a:extLst>
-              <a:ext uri="{28A0092B-C50C-407E-A947-70E740481C1C}">
-                <a14:useLocalDpi xmlns:a14="http://schemas.microsoft.com/office/drawing/2010/main" val="0"/>
-              </a:ext>
-            </a:extLst>
-          </a:blip>
-          <a:stretch>
-            <a:fillRect/>
-          </a:stretch>
-        </p:blipFill>
-        <p:spPr>
-          <a:xfrm>
-            <a:off x="478346" y="0"/>
-            <a:ext cx="3167807" cy="6858000"/>
-          </a:xfrm>
-          <a:prstGeom prst="rect">
-            <a:avLst/>
-          </a:prstGeom>
-        </p:spPr>
-      </p:pic>
-      <p:pic>
-        <p:nvPicPr>
-          <p:cNvPr id="14" name="Imagen 13">
-            <a:extLst>
-              <a:ext uri="{FF2B5EF4-FFF2-40B4-BE49-F238E27FC236}">
-                <a16:creationId xmlns:a16="http://schemas.microsoft.com/office/drawing/2014/main" id="{8CCDB3CF-9790-482A-BC15-6EA17DC21A4A}"/>
-              </a:ext>
-            </a:extLst>
-          </p:cNvPr>
-          <p:cNvPicPr>
-            <a:picLocks noChangeAspect="1"/>
-          </p:cNvPicPr>
-          <p:nvPr/>
-        </p:nvPicPr>
-        <p:blipFill>
-          <a:blip r:embed="rId6">
-            <a:extLst>
-              <a:ext uri="{28A0092B-C50C-407E-A947-70E740481C1C}">
-                <a14:useLocalDpi xmlns:a14="http://schemas.microsoft.com/office/drawing/2010/main" val="0"/>
-              </a:ext>
-            </a:extLst>
-          </a:blip>
-          <a:stretch>
-            <a:fillRect/>
-          </a:stretch>
-        </p:blipFill>
-        <p:spPr>
-          <a:xfrm>
-            <a:off x="4512096" y="0"/>
-            <a:ext cx="3167807" cy="6858000"/>
-          </a:xfrm>
-          <a:prstGeom prst="rect">
-            <a:avLst/>
-          </a:prstGeom>
-        </p:spPr>
-      </p:pic>
-      <p:pic>
-        <p:nvPicPr>
-          <p:cNvPr id="18" name="Imagen 17">
-            <a:extLst>
-              <a:ext uri="{FF2B5EF4-FFF2-40B4-BE49-F238E27FC236}">
-                <a16:creationId xmlns:a16="http://schemas.microsoft.com/office/drawing/2014/main" id="{2E6EFC16-4C75-42E3-98DF-F1D56F783CA3}"/>
-              </a:ext>
-            </a:extLst>
-          </p:cNvPr>
-          <p:cNvPicPr>
-            <a:picLocks noChangeAspect="1"/>
-          </p:cNvPicPr>
-          <p:nvPr/>
-        </p:nvPicPr>
-        <p:blipFill>
-          <a:blip r:embed="rId5">
-            <a:extLst>
-              <a:ext uri="{28A0092B-C50C-407E-A947-70E740481C1C}">
-                <a14:useLocalDpi xmlns:a14="http://schemas.microsoft.com/office/drawing/2010/main" val="0"/>
-              </a:ext>
-            </a:extLst>
-          </a:blip>
-          <a:stretch>
-            <a:fillRect/>
-          </a:stretch>
-        </p:blipFill>
-        <p:spPr>
-          <a:xfrm>
-            <a:off x="8548227" y="0"/>
-            <a:ext cx="3163315" cy="6858000"/>
-          </a:xfrm>
-          <a:prstGeom prst="rect">
-            <a:avLst/>
-          </a:prstGeom>
-        </p:spPr>
-      </p:pic>
-      <p:pic>
-        <p:nvPicPr>
-          <p:cNvPr id="20" name="Imagen 19">
-            <a:extLst>
-              <a:ext uri="{FF2B5EF4-FFF2-40B4-BE49-F238E27FC236}">
-                <a16:creationId xmlns:a16="http://schemas.microsoft.com/office/drawing/2014/main" id="{E5A93424-8A13-425A-ACA9-BE0D57EB0F67}"/>
-              </a:ext>
-            </a:extLst>
-          </p:cNvPr>
-          <p:cNvPicPr>
-            <a:picLocks noChangeAspect="1"/>
-          </p:cNvPicPr>
-          <p:nvPr/>
-        </p:nvPicPr>
-        <p:blipFill>
-          <a:blip r:embed="rId8">
-            <a:extLst>
-              <a:ext uri="{28A0092B-C50C-407E-A947-70E740481C1C}">
-                <a14:useLocalDpi xmlns:a14="http://schemas.microsoft.com/office/drawing/2010/main" val="0"/>
-              </a:ext>
-            </a:extLst>
-          </a:blip>
-          <a:stretch>
-            <a:fillRect/>
-          </a:stretch>
-        </p:blipFill>
-        <p:spPr>
-          <a:xfrm>
-            <a:off x="4516320" y="0"/>
-            <a:ext cx="3167807" cy="6858000"/>
-          </a:xfrm>
-          <a:prstGeom prst="rect">
-            <a:avLst/>
-          </a:prstGeom>
-        </p:spPr>
-      </p:pic>
-      <p:pic>
-        <p:nvPicPr>
-          <p:cNvPr id="22" name="Imagen 21">
-            <a:extLst>
-              <a:ext uri="{FF2B5EF4-FFF2-40B4-BE49-F238E27FC236}">
-                <a16:creationId xmlns:a16="http://schemas.microsoft.com/office/drawing/2014/main" id="{75526BB6-209A-425F-BEB9-731C4BF6B1BF}"/>
-              </a:ext>
-            </a:extLst>
-          </p:cNvPr>
-          <p:cNvPicPr>
-            <a:picLocks noChangeAspect="1"/>
-          </p:cNvPicPr>
-          <p:nvPr/>
-        </p:nvPicPr>
-        <p:blipFill>
-          <a:blip r:embed="rId9">
-            <a:extLst>
-              <a:ext uri="{28A0092B-C50C-407E-A947-70E740481C1C}">
-                <a14:useLocalDpi xmlns:a14="http://schemas.microsoft.com/office/drawing/2010/main" val="0"/>
-              </a:ext>
-            </a:extLst>
-          </a:blip>
-          <a:stretch>
-            <a:fillRect/>
-          </a:stretch>
-        </p:blipFill>
-        <p:spPr>
-          <a:xfrm>
-            <a:off x="480458" y="0"/>
-            <a:ext cx="3167807" cy="6858000"/>
-          </a:xfrm>
-          <a:prstGeom prst="rect">
-            <a:avLst/>
-          </a:prstGeom>
-        </p:spPr>
-      </p:pic>
-      <p:pic>
-        <p:nvPicPr>
-          <p:cNvPr id="24" name="Imagen 23">
-            <a:extLst>
-              <a:ext uri="{FF2B5EF4-FFF2-40B4-BE49-F238E27FC236}">
-                <a16:creationId xmlns:a16="http://schemas.microsoft.com/office/drawing/2014/main" id="{A3C72DF0-1158-441C-9912-80AF30DF4231}"/>
-              </a:ext>
-            </a:extLst>
-          </p:cNvPr>
-          <p:cNvPicPr>
-            <a:picLocks noChangeAspect="1"/>
-          </p:cNvPicPr>
-          <p:nvPr/>
-        </p:nvPicPr>
-        <p:blipFill>
-          <a:blip r:embed="rId10">
-            <a:extLst>
-              <a:ext uri="{28A0092B-C50C-407E-A947-70E740481C1C}">
-                <a14:useLocalDpi xmlns:a14="http://schemas.microsoft.com/office/drawing/2010/main" val="0"/>
-              </a:ext>
-            </a:extLst>
-          </a:blip>
-          <a:stretch>
-            <a:fillRect/>
-          </a:stretch>
-        </p:blipFill>
-        <p:spPr>
-          <a:xfrm>
-            <a:off x="8541757" y="0"/>
-            <a:ext cx="3167807" cy="6858000"/>
           </a:xfrm>
           <a:prstGeom prst="rect">
             <a:avLst/>

--- a/Para hacer ilustraciones.pptx
+++ b/Para hacer ilustraciones.pptx
@@ -6,7 +6,9 @@
   </p:sldMasterIdLst>
   <p:sldIdLst>
     <p:sldId id="256" r:id="rId2"/>
-    <p:sldId id="257" r:id="rId3"/>
+    <p:sldId id="258" r:id="rId3"/>
+    <p:sldId id="259" r:id="rId4"/>
+    <p:sldId id="257" r:id="rId5"/>
   </p:sldIdLst>
   <p:sldSz cx="12192000" cy="6858000"/>
   <p:notesSz cx="6858000" cy="9144000"/>
@@ -260,7 +262,7 @@
           <a:p>
             <a:fld id="{4035A556-7B5A-4880-844C-AB159F6919D0}" type="datetimeFigureOut">
               <a:rPr lang="es-ES" smtClean="0"/>
-              <a:t>04/04/2020</a:t>
+              <a:t>08/05/2020</a:t>
             </a:fld>
             <a:endParaRPr lang="es-ES"/>
           </a:p>
@@ -458,7 +460,7 @@
           <a:p>
             <a:fld id="{4035A556-7B5A-4880-844C-AB159F6919D0}" type="datetimeFigureOut">
               <a:rPr lang="es-ES" smtClean="0"/>
-              <a:t>04/04/2020</a:t>
+              <a:t>08/05/2020</a:t>
             </a:fld>
             <a:endParaRPr lang="es-ES"/>
           </a:p>
@@ -666,7 +668,7 @@
           <a:p>
             <a:fld id="{4035A556-7B5A-4880-844C-AB159F6919D0}" type="datetimeFigureOut">
               <a:rPr lang="es-ES" smtClean="0"/>
-              <a:t>04/04/2020</a:t>
+              <a:t>08/05/2020</a:t>
             </a:fld>
             <a:endParaRPr lang="es-ES"/>
           </a:p>
@@ -864,7 +866,7 @@
           <a:p>
             <a:fld id="{4035A556-7B5A-4880-844C-AB159F6919D0}" type="datetimeFigureOut">
               <a:rPr lang="es-ES" smtClean="0"/>
-              <a:t>04/04/2020</a:t>
+              <a:t>08/05/2020</a:t>
             </a:fld>
             <a:endParaRPr lang="es-ES"/>
           </a:p>
@@ -1139,7 +1141,7 @@
           <a:p>
             <a:fld id="{4035A556-7B5A-4880-844C-AB159F6919D0}" type="datetimeFigureOut">
               <a:rPr lang="es-ES" smtClean="0"/>
-              <a:t>04/04/2020</a:t>
+              <a:t>08/05/2020</a:t>
             </a:fld>
             <a:endParaRPr lang="es-ES"/>
           </a:p>
@@ -1404,7 +1406,7 @@
           <a:p>
             <a:fld id="{4035A556-7B5A-4880-844C-AB159F6919D0}" type="datetimeFigureOut">
               <a:rPr lang="es-ES" smtClean="0"/>
-              <a:t>04/04/2020</a:t>
+              <a:t>08/05/2020</a:t>
             </a:fld>
             <a:endParaRPr lang="es-ES"/>
           </a:p>
@@ -1816,7 +1818,7 @@
           <a:p>
             <a:fld id="{4035A556-7B5A-4880-844C-AB159F6919D0}" type="datetimeFigureOut">
               <a:rPr lang="es-ES" smtClean="0"/>
-              <a:t>04/04/2020</a:t>
+              <a:t>08/05/2020</a:t>
             </a:fld>
             <a:endParaRPr lang="es-ES"/>
           </a:p>
@@ -1957,7 +1959,7 @@
           <a:p>
             <a:fld id="{4035A556-7B5A-4880-844C-AB159F6919D0}" type="datetimeFigureOut">
               <a:rPr lang="es-ES" smtClean="0"/>
-              <a:t>04/04/2020</a:t>
+              <a:t>08/05/2020</a:t>
             </a:fld>
             <a:endParaRPr lang="es-ES"/>
           </a:p>
@@ -2070,7 +2072,7 @@
           <a:p>
             <a:fld id="{4035A556-7B5A-4880-844C-AB159F6919D0}" type="datetimeFigureOut">
               <a:rPr lang="es-ES" smtClean="0"/>
-              <a:t>04/04/2020</a:t>
+              <a:t>08/05/2020</a:t>
             </a:fld>
             <a:endParaRPr lang="es-ES"/>
           </a:p>
@@ -2381,7 +2383,7 @@
           <a:p>
             <a:fld id="{4035A556-7B5A-4880-844C-AB159F6919D0}" type="datetimeFigureOut">
               <a:rPr lang="es-ES" smtClean="0"/>
-              <a:t>04/04/2020</a:t>
+              <a:t>08/05/2020</a:t>
             </a:fld>
             <a:endParaRPr lang="es-ES"/>
           </a:p>
@@ -2669,7 +2671,7 @@
           <a:p>
             <a:fld id="{4035A556-7B5A-4880-844C-AB159F6919D0}" type="datetimeFigureOut">
               <a:rPr lang="es-ES" smtClean="0"/>
-              <a:t>04/04/2020</a:t>
+              <a:t>08/05/2020</a:t>
             </a:fld>
             <a:endParaRPr lang="es-ES"/>
           </a:p>
@@ -2910,7 +2912,7 @@
           <a:p>
             <a:fld id="{4035A556-7B5A-4880-844C-AB159F6919D0}" type="datetimeFigureOut">
               <a:rPr lang="es-ES" smtClean="0"/>
-              <a:t>04/04/2020</a:t>
+              <a:t>08/05/2020</a:t>
             </a:fld>
             <a:endParaRPr lang="es-ES"/>
           </a:p>
@@ -3520,6 +3522,402 @@
           <p:cNvPr id="2" name="Título 1">
             <a:extLst>
               <a:ext uri="{FF2B5EF4-FFF2-40B4-BE49-F238E27FC236}">
+                <a16:creationId xmlns:a16="http://schemas.microsoft.com/office/drawing/2014/main" id="{86B01F22-452B-4D01-B4E3-5B7070B76B57}"/>
+              </a:ext>
+            </a:extLst>
+          </p:cNvPr>
+          <p:cNvSpPr>
+            <a:spLocks noGrp="1"/>
+          </p:cNvSpPr>
+          <p:nvPr>
+            <p:ph type="title"/>
+          </p:nvPr>
+        </p:nvSpPr>
+        <p:spPr/>
+        <p:txBody>
+          <a:bodyPr/>
+          <a:lstStyle/>
+          <a:p>
+            <a:endParaRPr lang="es-ES"/>
+          </a:p>
+        </p:txBody>
+      </p:sp>
+      <p:pic>
+        <p:nvPicPr>
+          <p:cNvPr id="5" name="Marcador de contenido 4">
+            <a:extLst>
+              <a:ext uri="{FF2B5EF4-FFF2-40B4-BE49-F238E27FC236}">
+                <a16:creationId xmlns:a16="http://schemas.microsoft.com/office/drawing/2014/main" id="{35AE09C1-D3B8-43F6-8FA7-0E3A13C4E8CB}"/>
+              </a:ext>
+            </a:extLst>
+          </p:cNvPr>
+          <p:cNvPicPr>
+            <a:picLocks noGrp="1" noChangeAspect="1"/>
+          </p:cNvPicPr>
+          <p:nvPr>
+            <p:ph idx="1"/>
+          </p:nvPr>
+        </p:nvPicPr>
+        <p:blipFill>
+          <a:blip r:embed="rId2">
+            <a:extLst>
+              <a:ext uri="{28A0092B-C50C-407E-A947-70E740481C1C}">
+                <a14:useLocalDpi xmlns:a14="http://schemas.microsoft.com/office/drawing/2010/main" val="0"/>
+              </a:ext>
+            </a:extLst>
+          </a:blip>
+          <a:stretch>
+            <a:fillRect/>
+          </a:stretch>
+        </p:blipFill>
+        <p:spPr>
+          <a:xfrm>
+            <a:off x="1699174" y="365125"/>
+            <a:ext cx="2793600" cy="2793600"/>
+          </a:xfrm>
+        </p:spPr>
+      </p:pic>
+      <p:pic>
+        <p:nvPicPr>
+          <p:cNvPr id="7" name="Imagen 6">
+            <a:extLst>
+              <a:ext uri="{FF2B5EF4-FFF2-40B4-BE49-F238E27FC236}">
+                <a16:creationId xmlns:a16="http://schemas.microsoft.com/office/drawing/2014/main" id="{0134E095-E86E-4F6A-A994-D68400738B80}"/>
+              </a:ext>
+            </a:extLst>
+          </p:cNvPr>
+          <p:cNvPicPr>
+            <a:picLocks noChangeAspect="1"/>
+          </p:cNvPicPr>
+          <p:nvPr/>
+        </p:nvPicPr>
+        <p:blipFill>
+          <a:blip r:embed="rId3">
+            <a:extLst>
+              <a:ext uri="{28A0092B-C50C-407E-A947-70E740481C1C}">
+                <a14:useLocalDpi xmlns:a14="http://schemas.microsoft.com/office/drawing/2010/main" val="0"/>
+              </a:ext>
+            </a:extLst>
+          </a:blip>
+          <a:stretch>
+            <a:fillRect/>
+          </a:stretch>
+        </p:blipFill>
+        <p:spPr>
+          <a:xfrm>
+            <a:off x="7699226" y="293888"/>
+            <a:ext cx="2793600" cy="2793600"/>
+          </a:xfrm>
+          <a:prstGeom prst="rect">
+            <a:avLst/>
+          </a:prstGeom>
+        </p:spPr>
+      </p:pic>
+      <p:pic>
+        <p:nvPicPr>
+          <p:cNvPr id="9" name="Imagen 8">
+            <a:extLst>
+              <a:ext uri="{FF2B5EF4-FFF2-40B4-BE49-F238E27FC236}">
+                <a16:creationId xmlns:a16="http://schemas.microsoft.com/office/drawing/2014/main" id="{AF8639AC-2710-4E96-9805-54A4A25F0E90}"/>
+              </a:ext>
+            </a:extLst>
+          </p:cNvPr>
+          <p:cNvPicPr>
+            <a:picLocks noChangeAspect="1"/>
+          </p:cNvPicPr>
+          <p:nvPr/>
+        </p:nvPicPr>
+        <p:blipFill>
+          <a:blip r:embed="rId4">
+            <a:extLst>
+              <a:ext uri="{28A0092B-C50C-407E-A947-70E740481C1C}">
+                <a14:useLocalDpi xmlns:a14="http://schemas.microsoft.com/office/drawing/2010/main" val="0"/>
+              </a:ext>
+            </a:extLst>
+          </a:blip>
+          <a:stretch>
+            <a:fillRect/>
+          </a:stretch>
+        </p:blipFill>
+        <p:spPr>
+          <a:xfrm>
+            <a:off x="7673737" y="3340500"/>
+            <a:ext cx="2793600" cy="2793600"/>
+          </a:xfrm>
+          <a:prstGeom prst="rect">
+            <a:avLst/>
+          </a:prstGeom>
+        </p:spPr>
+      </p:pic>
+      <p:pic>
+        <p:nvPicPr>
+          <p:cNvPr id="11" name="Imagen 10">
+            <a:extLst>
+              <a:ext uri="{FF2B5EF4-FFF2-40B4-BE49-F238E27FC236}">
+                <a16:creationId xmlns:a16="http://schemas.microsoft.com/office/drawing/2014/main" id="{2A45CBD2-E7DC-41DF-AC2B-FA43DBAFBF0F}"/>
+              </a:ext>
+            </a:extLst>
+          </p:cNvPr>
+          <p:cNvPicPr>
+            <a:picLocks noChangeAspect="1"/>
+          </p:cNvPicPr>
+          <p:nvPr/>
+        </p:nvPicPr>
+        <p:blipFill>
+          <a:blip r:embed="rId5">
+            <a:extLst>
+              <a:ext uri="{28A0092B-C50C-407E-A947-70E740481C1C}">
+                <a14:useLocalDpi xmlns:a14="http://schemas.microsoft.com/office/drawing/2010/main" val="0"/>
+              </a:ext>
+            </a:extLst>
+          </a:blip>
+          <a:stretch>
+            <a:fillRect/>
+          </a:stretch>
+        </p:blipFill>
+        <p:spPr>
+          <a:xfrm>
+            <a:off x="1724665" y="3340500"/>
+            <a:ext cx="2793600" cy="2793600"/>
+          </a:xfrm>
+          <a:prstGeom prst="rect">
+            <a:avLst/>
+          </a:prstGeom>
+        </p:spPr>
+      </p:pic>
+      <p:pic>
+        <p:nvPicPr>
+          <p:cNvPr id="13" name="Imagen 12">
+            <a:extLst>
+              <a:ext uri="{FF2B5EF4-FFF2-40B4-BE49-F238E27FC236}">
+                <a16:creationId xmlns:a16="http://schemas.microsoft.com/office/drawing/2014/main" id="{3AB55BD0-0FAD-44EC-BF4B-E7AE986B90E2}"/>
+              </a:ext>
+            </a:extLst>
+          </p:cNvPr>
+          <p:cNvPicPr>
+            <a:picLocks noChangeAspect="1"/>
+          </p:cNvPicPr>
+          <p:nvPr/>
+        </p:nvPicPr>
+        <p:blipFill>
+          <a:blip r:embed="rId6">
+            <a:extLst>
+              <a:ext uri="{28A0092B-C50C-407E-A947-70E740481C1C}">
+                <a14:useLocalDpi xmlns:a14="http://schemas.microsoft.com/office/drawing/2010/main" val="0"/>
+              </a:ext>
+            </a:extLst>
+          </a:blip>
+          <a:stretch>
+            <a:fillRect/>
+          </a:stretch>
+        </p:blipFill>
+        <p:spPr>
+          <a:xfrm>
+            <a:off x="4699225" y="3344303"/>
+            <a:ext cx="2793600" cy="2793600"/>
+          </a:xfrm>
+          <a:prstGeom prst="rect">
+            <a:avLst/>
+          </a:prstGeom>
+        </p:spPr>
+      </p:pic>
+      <p:pic>
+        <p:nvPicPr>
+          <p:cNvPr id="15" name="Imagen 14">
+            <a:extLst>
+              <a:ext uri="{FF2B5EF4-FFF2-40B4-BE49-F238E27FC236}">
+                <a16:creationId xmlns:a16="http://schemas.microsoft.com/office/drawing/2014/main" id="{C9B00903-2AA2-4CDB-88B7-C5DFEE8A48FF}"/>
+              </a:ext>
+            </a:extLst>
+          </p:cNvPr>
+          <p:cNvPicPr>
+            <a:picLocks noChangeAspect="1"/>
+          </p:cNvPicPr>
+          <p:nvPr/>
+        </p:nvPicPr>
+        <p:blipFill>
+          <a:blip r:embed="rId7">
+            <a:extLst>
+              <a:ext uri="{28A0092B-C50C-407E-A947-70E740481C1C}">
+                <a14:useLocalDpi xmlns:a14="http://schemas.microsoft.com/office/drawing/2010/main" val="0"/>
+              </a:ext>
+            </a:extLst>
+          </a:blip>
+          <a:stretch>
+            <a:fillRect/>
+          </a:stretch>
+        </p:blipFill>
+        <p:spPr>
+          <a:xfrm>
+            <a:off x="4699174" y="365074"/>
+            <a:ext cx="2793651" cy="2793651"/>
+          </a:xfrm>
+          <a:prstGeom prst="rect">
+            <a:avLst/>
+          </a:prstGeom>
+        </p:spPr>
+      </p:pic>
+    </p:spTree>
+    <p:extLst>
+      <p:ext uri="{BB962C8B-B14F-4D97-AF65-F5344CB8AC3E}">
+        <p14:creationId xmlns:p14="http://schemas.microsoft.com/office/powerpoint/2010/main" val="1817938157"/>
+      </p:ext>
+    </p:extLst>
+  </p:cSld>
+  <p:clrMapOvr>
+    <a:masterClrMapping/>
+  </p:clrMapOvr>
+</p:sld>
+</file>
+
+<file path=ppt/slides/slide3.xml><?xml version="1.0" encoding="utf-8"?>
+<p:sld xmlns:a="http://schemas.openxmlformats.org/drawingml/2006/main" xmlns:r="http://schemas.openxmlformats.org/officeDocument/2006/relationships" xmlns:p="http://schemas.openxmlformats.org/presentationml/2006/main">
+  <p:cSld>
+    <p:spTree>
+      <p:nvGrpSpPr>
+        <p:cNvPr id="1" name=""/>
+        <p:cNvGrpSpPr/>
+        <p:nvPr/>
+      </p:nvGrpSpPr>
+      <p:grpSpPr>
+        <a:xfrm>
+          <a:off x="0" y="0"/>
+          <a:ext cx="0" cy="0"/>
+          <a:chOff x="0" y="0"/>
+          <a:chExt cx="0" cy="0"/>
+        </a:xfrm>
+      </p:grpSpPr>
+      <p:sp>
+        <p:nvSpPr>
+          <p:cNvPr id="2" name="Título 1">
+            <a:extLst>
+              <a:ext uri="{FF2B5EF4-FFF2-40B4-BE49-F238E27FC236}">
+                <a16:creationId xmlns:a16="http://schemas.microsoft.com/office/drawing/2014/main" id="{CD28F925-083A-46AB-BE98-717EB169194C}"/>
+              </a:ext>
+            </a:extLst>
+          </p:cNvPr>
+          <p:cNvSpPr>
+            <a:spLocks noGrp="1"/>
+          </p:cNvSpPr>
+          <p:nvPr>
+            <p:ph type="title"/>
+          </p:nvPr>
+        </p:nvSpPr>
+        <p:spPr/>
+        <p:txBody>
+          <a:bodyPr/>
+          <a:lstStyle/>
+          <a:p>
+            <a:endParaRPr lang="es-ES"/>
+          </a:p>
+        </p:txBody>
+      </p:sp>
+      <p:pic>
+        <p:nvPicPr>
+          <p:cNvPr id="5" name="Marcador de contenido 4">
+            <a:extLst>
+              <a:ext uri="{FF2B5EF4-FFF2-40B4-BE49-F238E27FC236}">
+                <a16:creationId xmlns:a16="http://schemas.microsoft.com/office/drawing/2014/main" id="{303253D7-21DE-406C-B728-9E5C4054DE54}"/>
+              </a:ext>
+            </a:extLst>
+          </p:cNvPr>
+          <p:cNvPicPr>
+            <a:picLocks noGrp="1" noChangeAspect="1"/>
+          </p:cNvPicPr>
+          <p:nvPr>
+            <p:ph idx="1"/>
+          </p:nvPr>
+        </p:nvPicPr>
+        <p:blipFill>
+          <a:blip r:embed="rId2">
+            <a:extLst>
+              <a:ext uri="{28A0092B-C50C-407E-A947-70E740481C1C}">
+                <a14:useLocalDpi xmlns:a14="http://schemas.microsoft.com/office/drawing/2010/main" val="0"/>
+              </a:ext>
+            </a:extLst>
+          </a:blip>
+          <a:stretch>
+            <a:fillRect/>
+          </a:stretch>
+        </p:blipFill>
+        <p:spPr>
+          <a:xfrm>
+            <a:off x="6386294" y="0"/>
+            <a:ext cx="3167538" cy="6858000"/>
+          </a:xfrm>
+        </p:spPr>
+      </p:pic>
+      <p:pic>
+        <p:nvPicPr>
+          <p:cNvPr id="7" name="Imagen 6">
+            <a:extLst>
+              <a:ext uri="{FF2B5EF4-FFF2-40B4-BE49-F238E27FC236}">
+                <a16:creationId xmlns:a16="http://schemas.microsoft.com/office/drawing/2014/main" id="{F41407BB-B2B0-4D49-BF88-5F5D49CE9DC7}"/>
+              </a:ext>
+            </a:extLst>
+          </p:cNvPr>
+          <p:cNvPicPr>
+            <a:picLocks noChangeAspect="1"/>
+          </p:cNvPicPr>
+          <p:nvPr/>
+        </p:nvPicPr>
+        <p:blipFill>
+          <a:blip r:embed="rId3">
+            <a:extLst>
+              <a:ext uri="{28A0092B-C50C-407E-A947-70E740481C1C}">
+                <a14:useLocalDpi xmlns:a14="http://schemas.microsoft.com/office/drawing/2010/main" val="0"/>
+              </a:ext>
+            </a:extLst>
+          </a:blip>
+          <a:stretch>
+            <a:fillRect/>
+          </a:stretch>
+        </p:blipFill>
+        <p:spPr>
+          <a:xfrm>
+            <a:off x="3218755" y="0"/>
+            <a:ext cx="3167539" cy="6858000"/>
+          </a:xfrm>
+          <a:prstGeom prst="rect">
+            <a:avLst/>
+          </a:prstGeom>
+        </p:spPr>
+      </p:pic>
+    </p:spTree>
+    <p:extLst>
+      <p:ext uri="{BB962C8B-B14F-4D97-AF65-F5344CB8AC3E}">
+        <p14:creationId xmlns:p14="http://schemas.microsoft.com/office/powerpoint/2010/main" val="1427504733"/>
+      </p:ext>
+    </p:extLst>
+  </p:cSld>
+  <p:clrMapOvr>
+    <a:masterClrMapping/>
+  </p:clrMapOvr>
+</p:sld>
+</file>
+
+<file path=ppt/slides/slide4.xml><?xml version="1.0" encoding="utf-8"?>
+<p:sld xmlns:a="http://schemas.openxmlformats.org/drawingml/2006/main" xmlns:r="http://schemas.openxmlformats.org/officeDocument/2006/relationships" xmlns:p="http://schemas.openxmlformats.org/presentationml/2006/main">
+  <p:cSld>
+    <p:spTree>
+      <p:nvGrpSpPr>
+        <p:cNvPr id="1" name=""/>
+        <p:cNvGrpSpPr/>
+        <p:nvPr/>
+      </p:nvGrpSpPr>
+      <p:grpSpPr>
+        <a:xfrm>
+          <a:off x="0" y="0"/>
+          <a:ext cx="0" cy="0"/>
+          <a:chOff x="0" y="0"/>
+          <a:chExt cx="0" cy="0"/>
+        </a:xfrm>
+      </p:grpSpPr>
+      <p:sp>
+        <p:nvSpPr>
+          <p:cNvPr id="2" name="Título 1">
+            <a:extLst>
+              <a:ext uri="{FF2B5EF4-FFF2-40B4-BE49-F238E27FC236}">
                 <a16:creationId xmlns:a16="http://schemas.microsoft.com/office/drawing/2014/main" id="{44E0649A-F27E-4897-9776-DFBBEFF5D062}"/>
               </a:ext>
             </a:extLst>

--- a/Para hacer ilustraciones.pptx
+++ b/Para hacer ilustraciones.pptx
@@ -262,7 +262,7 @@
           <a:p>
             <a:fld id="{4035A556-7B5A-4880-844C-AB159F6919D0}" type="datetimeFigureOut">
               <a:rPr lang="es-ES" smtClean="0"/>
-              <a:t>08/05/2020</a:t>
+              <a:t>24/06/2020</a:t>
             </a:fld>
             <a:endParaRPr lang="es-ES"/>
           </a:p>
@@ -460,7 +460,7 @@
           <a:p>
             <a:fld id="{4035A556-7B5A-4880-844C-AB159F6919D0}" type="datetimeFigureOut">
               <a:rPr lang="es-ES" smtClean="0"/>
-              <a:t>08/05/2020</a:t>
+              <a:t>24/06/2020</a:t>
             </a:fld>
             <a:endParaRPr lang="es-ES"/>
           </a:p>
@@ -668,7 +668,7 @@
           <a:p>
             <a:fld id="{4035A556-7B5A-4880-844C-AB159F6919D0}" type="datetimeFigureOut">
               <a:rPr lang="es-ES" smtClean="0"/>
-              <a:t>08/05/2020</a:t>
+              <a:t>24/06/2020</a:t>
             </a:fld>
             <a:endParaRPr lang="es-ES"/>
           </a:p>
@@ -866,7 +866,7 @@
           <a:p>
             <a:fld id="{4035A556-7B5A-4880-844C-AB159F6919D0}" type="datetimeFigureOut">
               <a:rPr lang="es-ES" smtClean="0"/>
-              <a:t>08/05/2020</a:t>
+              <a:t>24/06/2020</a:t>
             </a:fld>
             <a:endParaRPr lang="es-ES"/>
           </a:p>
@@ -1141,7 +1141,7 @@
           <a:p>
             <a:fld id="{4035A556-7B5A-4880-844C-AB159F6919D0}" type="datetimeFigureOut">
               <a:rPr lang="es-ES" smtClean="0"/>
-              <a:t>08/05/2020</a:t>
+              <a:t>24/06/2020</a:t>
             </a:fld>
             <a:endParaRPr lang="es-ES"/>
           </a:p>
@@ -1406,7 +1406,7 @@
           <a:p>
             <a:fld id="{4035A556-7B5A-4880-844C-AB159F6919D0}" type="datetimeFigureOut">
               <a:rPr lang="es-ES" smtClean="0"/>
-              <a:t>08/05/2020</a:t>
+              <a:t>24/06/2020</a:t>
             </a:fld>
             <a:endParaRPr lang="es-ES"/>
           </a:p>
@@ -1818,7 +1818,7 @@
           <a:p>
             <a:fld id="{4035A556-7B5A-4880-844C-AB159F6919D0}" type="datetimeFigureOut">
               <a:rPr lang="es-ES" smtClean="0"/>
-              <a:t>08/05/2020</a:t>
+              <a:t>24/06/2020</a:t>
             </a:fld>
             <a:endParaRPr lang="es-ES"/>
           </a:p>
@@ -1959,7 +1959,7 @@
           <a:p>
             <a:fld id="{4035A556-7B5A-4880-844C-AB159F6919D0}" type="datetimeFigureOut">
               <a:rPr lang="es-ES" smtClean="0"/>
-              <a:t>08/05/2020</a:t>
+              <a:t>24/06/2020</a:t>
             </a:fld>
             <a:endParaRPr lang="es-ES"/>
           </a:p>
@@ -2072,7 +2072,7 @@
           <a:p>
             <a:fld id="{4035A556-7B5A-4880-844C-AB159F6919D0}" type="datetimeFigureOut">
               <a:rPr lang="es-ES" smtClean="0"/>
-              <a:t>08/05/2020</a:t>
+              <a:t>24/06/2020</a:t>
             </a:fld>
             <a:endParaRPr lang="es-ES"/>
           </a:p>
@@ -2383,7 +2383,7 @@
           <a:p>
             <a:fld id="{4035A556-7B5A-4880-844C-AB159F6919D0}" type="datetimeFigureOut">
               <a:rPr lang="es-ES" smtClean="0"/>
-              <a:t>08/05/2020</a:t>
+              <a:t>24/06/2020</a:t>
             </a:fld>
             <a:endParaRPr lang="es-ES"/>
           </a:p>
@@ -2671,7 +2671,7 @@
           <a:p>
             <a:fld id="{4035A556-7B5A-4880-844C-AB159F6919D0}" type="datetimeFigureOut">
               <a:rPr lang="es-ES" smtClean="0"/>
-              <a:t>08/05/2020</a:t>
+              <a:t>24/06/2020</a:t>
             </a:fld>
             <a:endParaRPr lang="es-ES"/>
           </a:p>
@@ -2912,7 +2912,7 @@
           <a:p>
             <a:fld id="{4035A556-7B5A-4880-844C-AB159F6919D0}" type="datetimeFigureOut">
               <a:rPr lang="es-ES" smtClean="0"/>
-              <a:t>08/05/2020</a:t>
+              <a:t>24/06/2020</a:t>
             </a:fld>
             <a:endParaRPr lang="es-ES"/>
           </a:p>
@@ -3381,10 +3381,10 @@
       </p:sp>
       <p:pic>
         <p:nvPicPr>
-          <p:cNvPr id="8" name="Imagen 7">
-            <a:extLst>
-              <a:ext uri="{FF2B5EF4-FFF2-40B4-BE49-F238E27FC236}">
-                <a16:creationId xmlns:a16="http://schemas.microsoft.com/office/drawing/2014/main" id="{1FC60D52-5AE1-4F57-8F5A-841681E4FDA8}"/>
+          <p:cNvPr id="20" name="Imagen 19">
+            <a:extLst>
+              <a:ext uri="{FF2B5EF4-FFF2-40B4-BE49-F238E27FC236}">
+                <a16:creationId xmlns:a16="http://schemas.microsoft.com/office/drawing/2014/main" id="{1128363F-ADB0-4133-8FE5-2F0F3DF5E45D}"/>
               </a:ext>
             </a:extLst>
           </p:cNvPr>
@@ -3407,8 +3407,8 @@
         </p:blipFill>
         <p:spPr>
           <a:xfrm>
-            <a:off x="8548226" y="0"/>
-            <a:ext cx="3167539" cy="6858000"/>
+            <a:off x="44073" y="1887739"/>
+            <a:ext cx="2995297" cy="2995297"/>
           </a:xfrm>
           <a:prstGeom prst="rect">
             <a:avLst/>
@@ -3417,10 +3417,10 @@
       </p:pic>
       <p:pic>
         <p:nvPicPr>
-          <p:cNvPr id="13" name="Imagen 12">
-            <a:extLst>
-              <a:ext uri="{FF2B5EF4-FFF2-40B4-BE49-F238E27FC236}">
-                <a16:creationId xmlns:a16="http://schemas.microsoft.com/office/drawing/2014/main" id="{94824865-A1B7-4031-A4DE-C15B8D02BCE3}"/>
+          <p:cNvPr id="22" name="Imagen 21">
+            <a:extLst>
+              <a:ext uri="{FF2B5EF4-FFF2-40B4-BE49-F238E27FC236}">
+                <a16:creationId xmlns:a16="http://schemas.microsoft.com/office/drawing/2014/main" id="{BF2EC0C5-377D-4344-91B0-43DE804038AF}"/>
               </a:ext>
             </a:extLst>
           </p:cNvPr>
@@ -3443,8 +3443,8 @@
         </p:blipFill>
         <p:spPr>
           <a:xfrm>
-            <a:off x="4691539" y="0"/>
-            <a:ext cx="3167539" cy="6858000"/>
+            <a:off x="3039370" y="1887739"/>
+            <a:ext cx="5724525" cy="2905125"/>
           </a:xfrm>
           <a:prstGeom prst="rect">
             <a:avLst/>
@@ -3453,10 +3453,10 @@
       </p:pic>
       <p:pic>
         <p:nvPicPr>
-          <p:cNvPr id="16" name="Imagen 15">
-            <a:extLst>
-              <a:ext uri="{FF2B5EF4-FFF2-40B4-BE49-F238E27FC236}">
-                <a16:creationId xmlns:a16="http://schemas.microsoft.com/office/drawing/2014/main" id="{D2514FBC-83F1-4C18-B151-E83ADFA7AA42}"/>
+          <p:cNvPr id="24" name="Imagen 23">
+            <a:extLst>
+              <a:ext uri="{FF2B5EF4-FFF2-40B4-BE49-F238E27FC236}">
+                <a16:creationId xmlns:a16="http://schemas.microsoft.com/office/drawing/2014/main" id="{20F74F8E-4502-485B-84D5-9439511154DC}"/>
               </a:ext>
             </a:extLst>
           </p:cNvPr>
@@ -3479,8 +3479,8 @@
         </p:blipFill>
         <p:spPr>
           <a:xfrm>
-            <a:off x="834852" y="0"/>
-            <a:ext cx="3167539" cy="6858000"/>
+            <a:off x="9272300" y="1902487"/>
+            <a:ext cx="2875627" cy="2875627"/>
           </a:xfrm>
           <a:prstGeom prst="rect">
             <a:avLst/>
